--- a/FFPM/FFPM 275.pptx
+++ b/FFPM/FFPM 275.pptx
@@ -108,6 +108,22 @@
       </a:defRPr>
     </a:lvl9pPr>
   </p:defaultTextStyle>
+  <p:extLst>
+    <p:ext uri="{EFAFB233-063F-42B5-8137-9DF3F51BA10A}">
+      <p15:sldGuideLst xmlns:p15="http://schemas.microsoft.com/office/powerpoint/2012/main">
+        <p15:guide id="1" orient="horz" pos="1620">
+          <p15:clr>
+            <a:srgbClr val="A4A3A4"/>
+          </p15:clr>
+        </p15:guide>
+        <p15:guide id="2" pos="2880">
+          <p15:clr>
+            <a:srgbClr val="A4A3A4"/>
+          </p15:clr>
+        </p15:guide>
+      </p15:sldGuideLst>
+    </p:ext>
+  </p:extLst>
 </p:presentation>
 </file>
 
@@ -149,10 +165,9 @@
           <a:lstStyle/>
           <a:p>
             <a:r>
-              <a:rPr lang="fr-FR" smtClean="0"/>
+              <a:rPr lang="fr-FR"/>
               <a:t>Cliquez pour modifier le style du titre</a:t>
             </a:r>
-            <a:endParaRPr lang="fr-FR"/>
           </a:p>
         </p:txBody>
       </p:sp>
@@ -268,10 +283,9 @@
           </a:lstStyle>
           <a:p>
             <a:r>
-              <a:rPr lang="fr-FR" smtClean="0"/>
+              <a:rPr lang="fr-FR"/>
               <a:t>Cliquez pour modifier le style des sous-titres du masque</a:t>
             </a:r>
-            <a:endParaRPr lang="fr-FR"/>
           </a:p>
         </p:txBody>
       </p:sp>
@@ -293,7 +307,7 @@
             <a:fld id="{577D7EC5-ED04-4DBD-B230-D13807D0EFE1}" type="datetimeFigureOut">
               <a:rPr lang="fr-FR" smtClean="0"/>
               <a:pPr/>
-              <a:t>19/07/2014</a:t>
+              <a:t>02/07/2023</a:t>
             </a:fld>
             <a:endParaRPr lang="fr-FR"/>
           </a:p>
@@ -383,10 +397,9 @@
           <a:lstStyle/>
           <a:p>
             <a:r>
-              <a:rPr lang="fr-FR" smtClean="0"/>
+              <a:rPr lang="fr-FR"/>
               <a:t>Cliquez pour modifier le style du titre</a:t>
             </a:r>
-            <a:endParaRPr lang="fr-FR"/>
           </a:p>
         </p:txBody>
       </p:sp>
@@ -407,38 +420,37 @@
           <a:p>
             <a:pPr lvl="0"/>
             <a:r>
-              <a:rPr lang="fr-FR" smtClean="0"/>
+              <a:rPr lang="fr-FR"/>
               <a:t>Cliquez pour modifier les styles du texte du masque</a:t>
             </a:r>
           </a:p>
           <a:p>
             <a:pPr lvl="1"/>
             <a:r>
-              <a:rPr lang="fr-FR" smtClean="0"/>
+              <a:rPr lang="fr-FR"/>
               <a:t>Deuxième niveau</a:t>
             </a:r>
           </a:p>
           <a:p>
             <a:pPr lvl="2"/>
             <a:r>
-              <a:rPr lang="fr-FR" smtClean="0"/>
+              <a:rPr lang="fr-FR"/>
               <a:t>Troisième niveau</a:t>
             </a:r>
           </a:p>
           <a:p>
             <a:pPr lvl="3"/>
             <a:r>
-              <a:rPr lang="fr-FR" smtClean="0"/>
+              <a:rPr lang="fr-FR"/>
               <a:t>Quatrième niveau</a:t>
             </a:r>
           </a:p>
           <a:p>
             <a:pPr lvl="4"/>
             <a:r>
-              <a:rPr lang="fr-FR" smtClean="0"/>
+              <a:rPr lang="fr-FR"/>
               <a:t>Cinquième niveau</a:t>
             </a:r>
-            <a:endParaRPr lang="fr-FR"/>
           </a:p>
         </p:txBody>
       </p:sp>
@@ -460,7 +472,7 @@
             <a:fld id="{577D7EC5-ED04-4DBD-B230-D13807D0EFE1}" type="datetimeFigureOut">
               <a:rPr lang="fr-FR" smtClean="0"/>
               <a:pPr/>
-              <a:t>19/07/2014</a:t>
+              <a:t>02/07/2023</a:t>
             </a:fld>
             <a:endParaRPr lang="fr-FR"/>
           </a:p>
@@ -555,10 +567,9 @@
           <a:lstStyle/>
           <a:p>
             <a:r>
-              <a:rPr lang="fr-FR" smtClean="0"/>
+              <a:rPr lang="fr-FR"/>
               <a:t>Cliquez pour modifier le style du titre</a:t>
             </a:r>
-            <a:endParaRPr lang="fr-FR"/>
           </a:p>
         </p:txBody>
       </p:sp>
@@ -584,38 +595,37 @@
           <a:p>
             <a:pPr lvl="0"/>
             <a:r>
-              <a:rPr lang="fr-FR" smtClean="0"/>
+              <a:rPr lang="fr-FR"/>
               <a:t>Cliquez pour modifier les styles du texte du masque</a:t>
             </a:r>
           </a:p>
           <a:p>
             <a:pPr lvl="1"/>
             <a:r>
-              <a:rPr lang="fr-FR" smtClean="0"/>
+              <a:rPr lang="fr-FR"/>
               <a:t>Deuxième niveau</a:t>
             </a:r>
           </a:p>
           <a:p>
             <a:pPr lvl="2"/>
             <a:r>
-              <a:rPr lang="fr-FR" smtClean="0"/>
+              <a:rPr lang="fr-FR"/>
               <a:t>Troisième niveau</a:t>
             </a:r>
           </a:p>
           <a:p>
             <a:pPr lvl="3"/>
             <a:r>
-              <a:rPr lang="fr-FR" smtClean="0"/>
+              <a:rPr lang="fr-FR"/>
               <a:t>Quatrième niveau</a:t>
             </a:r>
           </a:p>
           <a:p>
             <a:pPr lvl="4"/>
             <a:r>
-              <a:rPr lang="fr-FR" smtClean="0"/>
+              <a:rPr lang="fr-FR"/>
               <a:t>Cinquième niveau</a:t>
             </a:r>
-            <a:endParaRPr lang="fr-FR"/>
           </a:p>
         </p:txBody>
       </p:sp>
@@ -637,7 +647,7 @@
             <a:fld id="{577D7EC5-ED04-4DBD-B230-D13807D0EFE1}" type="datetimeFigureOut">
               <a:rPr lang="fr-FR" smtClean="0"/>
               <a:pPr/>
-              <a:t>19/07/2014</a:t>
+              <a:t>02/07/2023</a:t>
             </a:fld>
             <a:endParaRPr lang="fr-FR"/>
           </a:p>
@@ -727,10 +737,9 @@
           <a:lstStyle/>
           <a:p>
             <a:r>
-              <a:rPr lang="fr-FR" smtClean="0"/>
+              <a:rPr lang="fr-FR"/>
               <a:t>Cliquez pour modifier le style du titre</a:t>
             </a:r>
-            <a:endParaRPr lang="fr-FR"/>
           </a:p>
         </p:txBody>
       </p:sp>
@@ -751,38 +760,37 @@
           <a:p>
             <a:pPr lvl="0"/>
             <a:r>
-              <a:rPr lang="fr-FR" smtClean="0"/>
+              <a:rPr lang="fr-FR"/>
               <a:t>Cliquez pour modifier les styles du texte du masque</a:t>
             </a:r>
           </a:p>
           <a:p>
             <a:pPr lvl="1"/>
             <a:r>
-              <a:rPr lang="fr-FR" smtClean="0"/>
+              <a:rPr lang="fr-FR"/>
               <a:t>Deuxième niveau</a:t>
             </a:r>
           </a:p>
           <a:p>
             <a:pPr lvl="2"/>
             <a:r>
-              <a:rPr lang="fr-FR" smtClean="0"/>
+              <a:rPr lang="fr-FR"/>
               <a:t>Troisième niveau</a:t>
             </a:r>
           </a:p>
           <a:p>
             <a:pPr lvl="3"/>
             <a:r>
-              <a:rPr lang="fr-FR" smtClean="0"/>
+              <a:rPr lang="fr-FR"/>
               <a:t>Quatrième niveau</a:t>
             </a:r>
           </a:p>
           <a:p>
             <a:pPr lvl="4"/>
             <a:r>
-              <a:rPr lang="fr-FR" smtClean="0"/>
+              <a:rPr lang="fr-FR"/>
               <a:t>Cinquième niveau</a:t>
             </a:r>
-            <a:endParaRPr lang="fr-FR"/>
           </a:p>
         </p:txBody>
       </p:sp>
@@ -804,7 +812,7 @@
             <a:fld id="{577D7EC5-ED04-4DBD-B230-D13807D0EFE1}" type="datetimeFigureOut">
               <a:rPr lang="fr-FR" smtClean="0"/>
               <a:pPr/>
-              <a:t>19/07/2014</a:t>
+              <a:t>02/07/2023</a:t>
             </a:fld>
             <a:endParaRPr lang="fr-FR"/>
           </a:p>
@@ -903,10 +911,9 @@
           </a:lstStyle>
           <a:p>
             <a:r>
-              <a:rPr lang="fr-FR" smtClean="0"/>
+              <a:rPr lang="fr-FR"/>
               <a:t>Cliquez pour modifier le style du titre</a:t>
             </a:r>
-            <a:endParaRPr lang="fr-FR"/>
           </a:p>
         </p:txBody>
       </p:sp>
@@ -1023,7 +1030,7 @@
           <a:p>
             <a:pPr lvl="0"/>
             <a:r>
-              <a:rPr lang="fr-FR" smtClean="0"/>
+              <a:rPr lang="fr-FR"/>
               <a:t>Cliquez pour modifier les styles du texte du masque</a:t>
             </a:r>
           </a:p>
@@ -1047,7 +1054,7 @@
             <a:fld id="{577D7EC5-ED04-4DBD-B230-D13807D0EFE1}" type="datetimeFigureOut">
               <a:rPr lang="fr-FR" smtClean="0"/>
               <a:pPr/>
-              <a:t>19/07/2014</a:t>
+              <a:t>02/07/2023</a:t>
             </a:fld>
             <a:endParaRPr lang="fr-FR"/>
           </a:p>
@@ -1137,10 +1144,9 @@
           <a:lstStyle/>
           <a:p>
             <a:r>
-              <a:rPr lang="fr-FR" smtClean="0"/>
+              <a:rPr lang="fr-FR"/>
               <a:t>Cliquez pour modifier le style du titre</a:t>
             </a:r>
-            <a:endParaRPr lang="fr-FR"/>
           </a:p>
         </p:txBody>
       </p:sp>
@@ -1194,38 +1200,37 @@
           <a:p>
             <a:pPr lvl="0"/>
             <a:r>
-              <a:rPr lang="fr-FR" smtClean="0"/>
+              <a:rPr lang="fr-FR"/>
               <a:t>Cliquez pour modifier les styles du texte du masque</a:t>
             </a:r>
           </a:p>
           <a:p>
             <a:pPr lvl="1"/>
             <a:r>
-              <a:rPr lang="fr-FR" smtClean="0"/>
+              <a:rPr lang="fr-FR"/>
               <a:t>Deuxième niveau</a:t>
             </a:r>
           </a:p>
           <a:p>
             <a:pPr lvl="2"/>
             <a:r>
-              <a:rPr lang="fr-FR" smtClean="0"/>
+              <a:rPr lang="fr-FR"/>
               <a:t>Troisième niveau</a:t>
             </a:r>
           </a:p>
           <a:p>
             <a:pPr lvl="3"/>
             <a:r>
-              <a:rPr lang="fr-FR" smtClean="0"/>
+              <a:rPr lang="fr-FR"/>
               <a:t>Quatrième niveau</a:t>
             </a:r>
           </a:p>
           <a:p>
             <a:pPr lvl="4"/>
             <a:r>
-              <a:rPr lang="fr-FR" smtClean="0"/>
+              <a:rPr lang="fr-FR"/>
               <a:t>Cinquième niveau</a:t>
             </a:r>
-            <a:endParaRPr lang="fr-FR"/>
           </a:p>
         </p:txBody>
       </p:sp>
@@ -1279,38 +1284,37 @@
           <a:p>
             <a:pPr lvl="0"/>
             <a:r>
-              <a:rPr lang="fr-FR" smtClean="0"/>
+              <a:rPr lang="fr-FR"/>
               <a:t>Cliquez pour modifier les styles du texte du masque</a:t>
             </a:r>
           </a:p>
           <a:p>
             <a:pPr lvl="1"/>
             <a:r>
-              <a:rPr lang="fr-FR" smtClean="0"/>
+              <a:rPr lang="fr-FR"/>
               <a:t>Deuxième niveau</a:t>
             </a:r>
           </a:p>
           <a:p>
             <a:pPr lvl="2"/>
             <a:r>
-              <a:rPr lang="fr-FR" smtClean="0"/>
+              <a:rPr lang="fr-FR"/>
               <a:t>Troisième niveau</a:t>
             </a:r>
           </a:p>
           <a:p>
             <a:pPr lvl="3"/>
             <a:r>
-              <a:rPr lang="fr-FR" smtClean="0"/>
+              <a:rPr lang="fr-FR"/>
               <a:t>Quatrième niveau</a:t>
             </a:r>
           </a:p>
           <a:p>
             <a:pPr lvl="4"/>
             <a:r>
-              <a:rPr lang="fr-FR" smtClean="0"/>
+              <a:rPr lang="fr-FR"/>
               <a:t>Cinquième niveau</a:t>
             </a:r>
-            <a:endParaRPr lang="fr-FR"/>
           </a:p>
         </p:txBody>
       </p:sp>
@@ -1332,7 +1336,7 @@
             <a:fld id="{577D7EC5-ED04-4DBD-B230-D13807D0EFE1}" type="datetimeFigureOut">
               <a:rPr lang="fr-FR" smtClean="0"/>
               <a:pPr/>
-              <a:t>19/07/2014</a:t>
+              <a:t>02/07/2023</a:t>
             </a:fld>
             <a:endParaRPr lang="fr-FR"/>
           </a:p>
@@ -1426,10 +1430,9 @@
           </a:lstStyle>
           <a:p>
             <a:r>
-              <a:rPr lang="fr-FR" smtClean="0"/>
+              <a:rPr lang="fr-FR"/>
               <a:t>Cliquez pour modifier le style du titre</a:t>
             </a:r>
-            <a:endParaRPr lang="fr-FR"/>
           </a:p>
         </p:txBody>
       </p:sp>
@@ -1492,7 +1495,7 @@
           <a:p>
             <a:pPr lvl="0"/>
             <a:r>
-              <a:rPr lang="fr-FR" smtClean="0"/>
+              <a:rPr lang="fr-FR"/>
               <a:t>Cliquez pour modifier les styles du texte du masque</a:t>
             </a:r>
           </a:p>
@@ -1548,38 +1551,37 @@
           <a:p>
             <a:pPr lvl="0"/>
             <a:r>
-              <a:rPr lang="fr-FR" smtClean="0"/>
+              <a:rPr lang="fr-FR"/>
               <a:t>Cliquez pour modifier les styles du texte du masque</a:t>
             </a:r>
           </a:p>
           <a:p>
             <a:pPr lvl="1"/>
             <a:r>
-              <a:rPr lang="fr-FR" smtClean="0"/>
+              <a:rPr lang="fr-FR"/>
               <a:t>Deuxième niveau</a:t>
             </a:r>
           </a:p>
           <a:p>
             <a:pPr lvl="2"/>
             <a:r>
-              <a:rPr lang="fr-FR" smtClean="0"/>
+              <a:rPr lang="fr-FR"/>
               <a:t>Troisième niveau</a:t>
             </a:r>
           </a:p>
           <a:p>
             <a:pPr lvl="3"/>
             <a:r>
-              <a:rPr lang="fr-FR" smtClean="0"/>
+              <a:rPr lang="fr-FR"/>
               <a:t>Quatrième niveau</a:t>
             </a:r>
           </a:p>
           <a:p>
             <a:pPr lvl="4"/>
             <a:r>
-              <a:rPr lang="fr-FR" smtClean="0"/>
+              <a:rPr lang="fr-FR"/>
               <a:t>Cinquième niveau</a:t>
             </a:r>
-            <a:endParaRPr lang="fr-FR"/>
           </a:p>
         </p:txBody>
       </p:sp>
@@ -1642,7 +1644,7 @@
           <a:p>
             <a:pPr lvl="0"/>
             <a:r>
-              <a:rPr lang="fr-FR" smtClean="0"/>
+              <a:rPr lang="fr-FR"/>
               <a:t>Cliquez pour modifier les styles du texte du masque</a:t>
             </a:r>
           </a:p>
@@ -1698,38 +1700,37 @@
           <a:p>
             <a:pPr lvl="0"/>
             <a:r>
-              <a:rPr lang="fr-FR" smtClean="0"/>
+              <a:rPr lang="fr-FR"/>
               <a:t>Cliquez pour modifier les styles du texte du masque</a:t>
             </a:r>
           </a:p>
           <a:p>
             <a:pPr lvl="1"/>
             <a:r>
-              <a:rPr lang="fr-FR" smtClean="0"/>
+              <a:rPr lang="fr-FR"/>
               <a:t>Deuxième niveau</a:t>
             </a:r>
           </a:p>
           <a:p>
             <a:pPr lvl="2"/>
             <a:r>
-              <a:rPr lang="fr-FR" smtClean="0"/>
+              <a:rPr lang="fr-FR"/>
               <a:t>Troisième niveau</a:t>
             </a:r>
           </a:p>
           <a:p>
             <a:pPr lvl="3"/>
             <a:r>
-              <a:rPr lang="fr-FR" smtClean="0"/>
+              <a:rPr lang="fr-FR"/>
               <a:t>Quatrième niveau</a:t>
             </a:r>
           </a:p>
           <a:p>
             <a:pPr lvl="4"/>
             <a:r>
-              <a:rPr lang="fr-FR" smtClean="0"/>
+              <a:rPr lang="fr-FR"/>
               <a:t>Cinquième niveau</a:t>
             </a:r>
-            <a:endParaRPr lang="fr-FR"/>
           </a:p>
         </p:txBody>
       </p:sp>
@@ -1751,7 +1752,7 @@
             <a:fld id="{577D7EC5-ED04-4DBD-B230-D13807D0EFE1}" type="datetimeFigureOut">
               <a:rPr lang="fr-FR" smtClean="0"/>
               <a:pPr/>
-              <a:t>19/07/2014</a:t>
+              <a:t>02/07/2023</a:t>
             </a:fld>
             <a:endParaRPr lang="fr-FR"/>
           </a:p>
@@ -1841,10 +1842,9 @@
           <a:lstStyle/>
           <a:p>
             <a:r>
-              <a:rPr lang="fr-FR" smtClean="0"/>
+              <a:rPr lang="fr-FR"/>
               <a:t>Cliquez pour modifier le style du titre</a:t>
             </a:r>
-            <a:endParaRPr lang="fr-FR"/>
           </a:p>
         </p:txBody>
       </p:sp>
@@ -1866,7 +1866,7 @@
             <a:fld id="{577D7EC5-ED04-4DBD-B230-D13807D0EFE1}" type="datetimeFigureOut">
               <a:rPr lang="fr-FR" smtClean="0"/>
               <a:pPr/>
-              <a:t>19/07/2014</a:t>
+              <a:t>02/07/2023</a:t>
             </a:fld>
             <a:endParaRPr lang="fr-FR"/>
           </a:p>
@@ -1958,7 +1958,7 @@
             <a:fld id="{577D7EC5-ED04-4DBD-B230-D13807D0EFE1}" type="datetimeFigureOut">
               <a:rPr lang="fr-FR" smtClean="0"/>
               <a:pPr/>
-              <a:t>19/07/2014</a:t>
+              <a:t>02/07/2023</a:t>
             </a:fld>
             <a:endParaRPr lang="fr-FR"/>
           </a:p>
@@ -2057,10 +2057,9 @@
           </a:lstStyle>
           <a:p>
             <a:r>
-              <a:rPr lang="fr-FR" smtClean="0"/>
+              <a:rPr lang="fr-FR"/>
               <a:t>Cliquez pour modifier le style du titre</a:t>
             </a:r>
-            <a:endParaRPr lang="fr-FR"/>
           </a:p>
         </p:txBody>
       </p:sp>
@@ -2114,38 +2113,37 @@
           <a:p>
             <a:pPr lvl="0"/>
             <a:r>
-              <a:rPr lang="fr-FR" smtClean="0"/>
+              <a:rPr lang="fr-FR"/>
               <a:t>Cliquez pour modifier les styles du texte du masque</a:t>
             </a:r>
           </a:p>
           <a:p>
             <a:pPr lvl="1"/>
             <a:r>
-              <a:rPr lang="fr-FR" smtClean="0"/>
+              <a:rPr lang="fr-FR"/>
               <a:t>Deuxième niveau</a:t>
             </a:r>
           </a:p>
           <a:p>
             <a:pPr lvl="2"/>
             <a:r>
-              <a:rPr lang="fr-FR" smtClean="0"/>
+              <a:rPr lang="fr-FR"/>
               <a:t>Troisième niveau</a:t>
             </a:r>
           </a:p>
           <a:p>
             <a:pPr lvl="3"/>
             <a:r>
-              <a:rPr lang="fr-FR" smtClean="0"/>
+              <a:rPr lang="fr-FR"/>
               <a:t>Quatrième niveau</a:t>
             </a:r>
           </a:p>
           <a:p>
             <a:pPr lvl="4"/>
             <a:r>
-              <a:rPr lang="fr-FR" smtClean="0"/>
+              <a:rPr lang="fr-FR"/>
               <a:t>Cinquième niveau</a:t>
             </a:r>
-            <a:endParaRPr lang="fr-FR"/>
           </a:p>
         </p:txBody>
       </p:sp>
@@ -2208,7 +2206,7 @@
           <a:p>
             <a:pPr lvl="0"/>
             <a:r>
-              <a:rPr lang="fr-FR" smtClean="0"/>
+              <a:rPr lang="fr-FR"/>
               <a:t>Cliquez pour modifier les styles du texte du masque</a:t>
             </a:r>
           </a:p>
@@ -2232,7 +2230,7 @@
             <a:fld id="{577D7EC5-ED04-4DBD-B230-D13807D0EFE1}" type="datetimeFigureOut">
               <a:rPr lang="fr-FR" smtClean="0"/>
               <a:pPr/>
-              <a:t>19/07/2014</a:t>
+              <a:t>02/07/2023</a:t>
             </a:fld>
             <a:endParaRPr lang="fr-FR"/>
           </a:p>
@@ -2331,10 +2329,9 @@
           </a:lstStyle>
           <a:p>
             <a:r>
-              <a:rPr lang="fr-FR" smtClean="0"/>
+              <a:rPr lang="fr-FR"/>
               <a:t>Cliquez pour modifier le style du titre</a:t>
             </a:r>
-            <a:endParaRPr lang="fr-FR"/>
           </a:p>
         </p:txBody>
       </p:sp>
@@ -2458,7 +2455,7 @@
           <a:p>
             <a:pPr lvl="0"/>
             <a:r>
-              <a:rPr lang="fr-FR" smtClean="0"/>
+              <a:rPr lang="fr-FR"/>
               <a:t>Cliquez pour modifier les styles du texte du masque</a:t>
             </a:r>
           </a:p>
@@ -2482,7 +2479,7 @@
             <a:fld id="{577D7EC5-ED04-4DBD-B230-D13807D0EFE1}" type="datetimeFigureOut">
               <a:rPr lang="fr-FR" smtClean="0"/>
               <a:pPr/>
-              <a:t>19/07/2014</a:t>
+              <a:t>02/07/2023</a:t>
             </a:fld>
             <a:endParaRPr lang="fr-FR"/>
           </a:p>
@@ -2587,10 +2584,9 @@
           <a:lstStyle/>
           <a:p>
             <a:r>
-              <a:rPr lang="fr-FR" smtClean="0"/>
+              <a:rPr lang="fr-FR"/>
               <a:t>Cliquez pour modifier le style du titre</a:t>
             </a:r>
-            <a:endParaRPr lang="fr-FR"/>
           </a:p>
         </p:txBody>
       </p:sp>
@@ -2621,38 +2617,37 @@
           <a:p>
             <a:pPr lvl="0"/>
             <a:r>
-              <a:rPr lang="fr-FR" smtClean="0"/>
+              <a:rPr lang="fr-FR"/>
               <a:t>Cliquez pour modifier les styles du texte du masque</a:t>
             </a:r>
           </a:p>
           <a:p>
             <a:pPr lvl="1"/>
             <a:r>
-              <a:rPr lang="fr-FR" smtClean="0"/>
+              <a:rPr lang="fr-FR"/>
               <a:t>Deuxième niveau</a:t>
             </a:r>
           </a:p>
           <a:p>
             <a:pPr lvl="2"/>
             <a:r>
-              <a:rPr lang="fr-FR" smtClean="0"/>
+              <a:rPr lang="fr-FR"/>
               <a:t>Troisième niveau</a:t>
             </a:r>
           </a:p>
           <a:p>
             <a:pPr lvl="3"/>
             <a:r>
-              <a:rPr lang="fr-FR" smtClean="0"/>
+              <a:rPr lang="fr-FR"/>
               <a:t>Quatrième niveau</a:t>
             </a:r>
           </a:p>
           <a:p>
             <a:pPr lvl="4"/>
             <a:r>
-              <a:rPr lang="fr-FR" smtClean="0"/>
+              <a:rPr lang="fr-FR"/>
               <a:t>Cinquième niveau</a:t>
             </a:r>
-            <a:endParaRPr lang="fr-FR"/>
           </a:p>
         </p:txBody>
       </p:sp>
@@ -2692,7 +2687,7 @@
             <a:fld id="{577D7EC5-ED04-4DBD-B230-D13807D0EFE1}" type="datetimeFigureOut">
               <a:rPr lang="fr-FR" smtClean="0"/>
               <a:pPr/>
-              <a:t>19/07/2014</a:t>
+              <a:t>02/07/2023</a:t>
             </a:fld>
             <a:endParaRPr lang="fr-FR"/>
           </a:p>
@@ -3081,7 +3076,7 @@
           <a:lstStyle/>
           <a:p>
             <a:r>
-              <a:rPr lang="fr-FR" sz="9600" b="1" smtClean="0"/>
+              <a:rPr lang="fr-FR" sz="9600" b="1"/>
               <a:t>275</a:t>
             </a:r>
             <a:endParaRPr lang="fr-FR" sz="9600" b="1" baseline="30000" dirty="0"/>
@@ -3139,7 +3134,7 @@
               <a:t>soa</a:t>
             </a:r>
             <a:r>
-              <a:rPr lang="en-GB" sz="3600" b="1" i="1" dirty="0" smtClean="0"/>
+              <a:rPr lang="en-GB" sz="3600" b="1" i="1" dirty="0"/>
               <a:t>, </a:t>
             </a:r>
             <a:r>
@@ -3206,100 +3201,96 @@
           <a:lstStyle/>
           <a:p>
             <a:r>
-              <a:rPr lang="en-GB" sz="5400" b="1" dirty="0" smtClean="0"/>
+              <a:rPr lang="en-GB" sz="5400" b="1" dirty="0"/>
               <a:t>1- </a:t>
             </a:r>
             <a:r>
-              <a:rPr lang="en-GB" sz="5400" b="1" dirty="0" err="1" smtClean="0"/>
+              <a:rPr lang="en-GB" sz="5400" b="1" dirty="0" err="1"/>
               <a:t>Raisonao</a:t>
             </a:r>
             <a:r>
-              <a:rPr lang="en-GB" sz="5400" b="1" dirty="0" smtClean="0"/>
+              <a:rPr lang="en-GB" sz="5400" b="1" dirty="0"/>
               <a:t> </a:t>
             </a:r>
             <a:r>
-              <a:rPr lang="en-GB" sz="5400" b="1" dirty="0" err="1" smtClean="0"/>
+              <a:rPr lang="en-GB" sz="5400" b="1" dirty="0" err="1"/>
               <a:t>ry</a:t>
             </a:r>
             <a:r>
-              <a:rPr lang="en-GB" sz="5400" b="1" dirty="0" smtClean="0"/>
+              <a:rPr lang="en-GB" sz="5400" b="1" dirty="0"/>
               <a:t> </a:t>
             </a:r>
             <a:r>
-              <a:rPr lang="en-GB" sz="5400" b="1" dirty="0" err="1" smtClean="0"/>
+              <a:rPr lang="en-GB" sz="5400" b="1" dirty="0" err="1"/>
               <a:t>Tompo</a:t>
             </a:r>
             <a:r>
-              <a:rPr lang="en-GB" sz="5400" b="1" dirty="0" smtClean="0"/>
+              <a:rPr lang="en-GB" sz="5400" b="1" dirty="0"/>
               <a:t> </a:t>
             </a:r>
             <a:r>
-              <a:rPr lang="en-GB" sz="5400" b="1" dirty="0" err="1" smtClean="0"/>
+              <a:rPr lang="en-GB" sz="5400" b="1" dirty="0" err="1"/>
               <a:t>soa</a:t>
             </a:r>
             <a:r>
-              <a:rPr lang="en-GB" sz="5400" b="1" dirty="0" smtClean="0"/>
+              <a:rPr lang="en-GB" sz="5400" b="1" dirty="0"/>
               <a:t>,</a:t>
             </a:r>
             <a:br>
-              <a:rPr lang="en-GB" sz="5400" b="1" dirty="0" smtClean="0"/>
+              <a:rPr lang="en-GB" sz="5400" b="1" dirty="0"/>
             </a:br>
             <a:r>
-              <a:rPr lang="en-GB" sz="5400" b="1" dirty="0" smtClean="0"/>
+              <a:rPr lang="en-GB" sz="5400" b="1" dirty="0"/>
               <a:t>    </a:t>
             </a:r>
             <a:r>
-              <a:rPr lang="en-GB" sz="5400" b="1" dirty="0" err="1" smtClean="0"/>
+              <a:rPr lang="en-GB" sz="5400" b="1" dirty="0" err="1"/>
               <a:t>Ny</a:t>
             </a:r>
             <a:r>
-              <a:rPr lang="en-GB" sz="5400" b="1" dirty="0" smtClean="0"/>
+              <a:rPr lang="en-GB" sz="5400" b="1" dirty="0"/>
               <a:t> </a:t>
             </a:r>
             <a:r>
-              <a:rPr lang="en-GB" sz="5400" b="1" dirty="0" err="1" smtClean="0"/>
+              <a:rPr lang="en-GB" sz="5400" b="1" dirty="0" err="1"/>
               <a:t>fanatitray</a:t>
             </a:r>
             <a:r>
-              <a:rPr lang="en-GB" sz="5400" b="1" dirty="0" smtClean="0"/>
+              <a:rPr lang="en-GB" sz="5400" b="1" dirty="0"/>
               <a:t> </a:t>
             </a:r>
             <a:r>
-              <a:rPr lang="en-GB" sz="5400" b="1" dirty="0" err="1" smtClean="0"/>
+              <a:rPr lang="en-GB" sz="5400" b="1" dirty="0" err="1"/>
               <a:t>izao</a:t>
             </a:r>
             <a:r>
-              <a:rPr lang="en-GB" sz="5400" b="1" dirty="0" smtClean="0"/>
+              <a:rPr lang="en-GB" sz="5400" b="1" dirty="0"/>
               <a:t> ;</a:t>
             </a:r>
             <a:br>
-              <a:rPr lang="en-GB" sz="5400" b="1" dirty="0" smtClean="0"/>
+              <a:rPr lang="en-GB" sz="5400" b="1" dirty="0"/>
             </a:br>
             <a:r>
-              <a:rPr lang="en-GB" sz="5400" b="1" dirty="0" smtClean="0"/>
+              <a:rPr lang="en-GB" sz="5400" b="1" dirty="0"/>
               <a:t>   </a:t>
             </a:r>
             <a:r>
-              <a:rPr lang="en-GB" sz="5400" b="1" dirty="0" err="1" smtClean="0"/>
+              <a:rPr lang="en-GB" sz="5400" b="1" dirty="0" err="1"/>
               <a:t>Hamasino</a:t>
             </a:r>
             <a:r>
-              <a:rPr lang="en-GB" sz="5400" b="1" dirty="0" smtClean="0"/>
+              <a:rPr lang="en-GB" sz="5400" b="1" dirty="0"/>
               <a:t> </a:t>
             </a:r>
             <a:r>
-              <a:rPr lang="en-GB" sz="5400" b="1" dirty="0" err="1" smtClean="0"/>
+              <a:rPr lang="en-GB" sz="5400" b="1" dirty="0" err="1"/>
               <a:t>avokoa</a:t>
             </a:r>
-            <a:r>
-              <a:rPr lang="en-GB" sz="5400" b="1" dirty="0" smtClean="0"/>
-              <a:t/>
-            </a:r>
             <a:br>
-              <a:rPr lang="en-GB" sz="5400" b="1" dirty="0" smtClean="0"/>
+              <a:rPr lang="en-GB" sz="5400" b="1" dirty="0"/>
             </a:br>
             <a:r>
-              <a:rPr lang="en-GB" sz="5400" b="1" dirty="0" smtClean="0"/>
+              <a:rPr lang="en-GB" sz="5400" b="1" dirty="0"/>
               <a:t>    </a:t>
             </a:r>
             <a:r>
@@ -3315,19 +3306,19 @@
               <a:t> </a:t>
             </a:r>
             <a:r>
-              <a:rPr lang="en-GB" sz="5400" b="1" dirty="0" err="1" smtClean="0"/>
+              <a:rPr lang="en-GB" sz="5400" b="1" dirty="0" err="1"/>
               <a:t>atolotray</a:t>
             </a:r>
             <a:r>
-              <a:rPr lang="en-GB" sz="5400" b="1" dirty="0" smtClean="0"/>
+              <a:rPr lang="en-GB" sz="5400" b="1" dirty="0"/>
               <a:t> </a:t>
             </a:r>
             <a:r>
-              <a:rPr lang="en-GB" sz="5400" b="1" dirty="0" err="1" smtClean="0"/>
+              <a:rPr lang="en-GB" sz="5400" b="1" dirty="0" err="1"/>
               <a:t>Anao</a:t>
             </a:r>
             <a:r>
-              <a:rPr lang="en-GB" sz="5400" b="1" dirty="0" smtClean="0"/>
+              <a:rPr lang="en-GB" sz="5400" b="1" dirty="0"/>
               <a:t>,</a:t>
             </a:r>
             <a:endParaRPr lang="fr-FR" sz="5400" b="1" dirty="0"/>
@@ -3359,29 +3350,16 @@
           <a:p>
             <a:pPr algn="ctr"/>
             <a:r>
-              <a:rPr lang="it-IT" sz="4800" b="1" dirty="0" smtClean="0">
-                <a:solidFill>
-                  <a:srgbClr val="00B050"/>
-                </a:solidFill>
-              </a:rPr>
+              <a:rPr lang="it-IT" sz="4800" b="1" dirty="0"/>
               <a:t>:,: Raiso re, ho Anao,</a:t>
             </a:r>
           </a:p>
           <a:p>
             <a:pPr algn="ctr"/>
             <a:r>
-              <a:rPr lang="it-IT" sz="4800" b="1" dirty="0" smtClean="0">
-                <a:solidFill>
-                  <a:srgbClr val="00B050"/>
-                </a:solidFill>
-              </a:rPr>
+              <a:rPr lang="it-IT" sz="4800" b="1" dirty="0"/>
               <a:t>     Ho fanati-tsitrakao ! :,:</a:t>
             </a:r>
-            <a:endParaRPr lang="it-IT" sz="4800" b="1" dirty="0">
-              <a:solidFill>
-                <a:srgbClr val="00B050"/>
-              </a:solidFill>
-            </a:endParaRPr>
           </a:p>
         </p:txBody>
       </p:sp>
@@ -3433,46 +3411,42 @@
           <a:lstStyle/>
           <a:p>
             <a:r>
-              <a:rPr lang="en-GB" sz="5400" b="1" dirty="0" smtClean="0"/>
+              <a:rPr lang="en-GB" sz="5400" b="1" dirty="0"/>
               <a:t>2- He, </a:t>
             </a:r>
             <a:r>
-              <a:rPr lang="en-GB" sz="5400" b="1" dirty="0" err="1" smtClean="0"/>
+              <a:rPr lang="en-GB" sz="5400" b="1" dirty="0" err="1"/>
               <a:t>Anao</a:t>
             </a:r>
             <a:r>
-              <a:rPr lang="en-GB" sz="5400" b="1" dirty="0" smtClean="0"/>
+              <a:rPr lang="en-GB" sz="5400" b="1" dirty="0"/>
               <a:t>, </a:t>
             </a:r>
             <a:r>
-              <a:rPr lang="en-GB" sz="5400" b="1" dirty="0" err="1" smtClean="0"/>
+              <a:rPr lang="en-GB" sz="5400" b="1" dirty="0" err="1"/>
               <a:t>ry</a:t>
             </a:r>
             <a:r>
-              <a:rPr lang="en-GB" sz="5400" b="1" dirty="0" smtClean="0"/>
+              <a:rPr lang="en-GB" sz="5400" b="1" dirty="0"/>
               <a:t> </a:t>
             </a:r>
             <a:r>
-              <a:rPr lang="en-GB" sz="5400" b="1" dirty="0" err="1" smtClean="0"/>
+              <a:rPr lang="en-GB" sz="5400" b="1" dirty="0" err="1"/>
               <a:t>Tompo</a:t>
             </a:r>
             <a:r>
-              <a:rPr lang="en-GB" sz="5400" b="1" dirty="0" smtClean="0"/>
+              <a:rPr lang="en-GB" sz="5400" b="1" dirty="0"/>
               <a:t> </a:t>
             </a:r>
             <a:r>
-              <a:rPr lang="en-GB" sz="5400" b="1" dirty="0" err="1" smtClean="0"/>
+              <a:rPr lang="en-GB" sz="5400" b="1" dirty="0" err="1"/>
               <a:t>soa</a:t>
             </a:r>
-            <a:r>
-              <a:rPr lang="en-GB" sz="5400" b="1" dirty="0" smtClean="0"/>
-              <a:t/>
-            </a:r>
             <a:br>
-              <a:rPr lang="en-GB" sz="5400" b="1" dirty="0" smtClean="0"/>
+              <a:rPr lang="en-GB" sz="5400" b="1" dirty="0"/>
             </a:br>
             <a:r>
-              <a:rPr lang="en-GB" sz="5400" b="1" dirty="0" smtClean="0"/>
+              <a:rPr lang="en-GB" sz="5400" b="1" dirty="0"/>
               <a:t>    </a:t>
             </a:r>
             <a:r>
@@ -3488,76 +3462,71 @@
               <a:t> </a:t>
             </a:r>
             <a:r>
-              <a:rPr lang="en-GB" sz="5400" b="1" dirty="0" err="1" smtClean="0"/>
+              <a:rPr lang="en-GB" sz="5400" b="1" dirty="0" err="1"/>
               <a:t>rehetra</a:t>
             </a:r>
             <a:r>
-              <a:rPr lang="en-GB" sz="5400" b="1" dirty="0" smtClean="0"/>
+              <a:rPr lang="en-GB" sz="5400" b="1" dirty="0"/>
               <a:t> </a:t>
             </a:r>
             <a:r>
-              <a:rPr lang="en-GB" sz="5400" b="1" dirty="0" err="1" smtClean="0"/>
+              <a:rPr lang="en-GB" sz="5400" b="1" dirty="0" err="1"/>
               <a:t>anananay</a:t>
             </a:r>
-            <a:r>
-              <a:rPr lang="en-GB" sz="5400" b="1" dirty="0" smtClean="0"/>
-              <a:t/>
-            </a:r>
             <a:br>
-              <a:rPr lang="en-GB" sz="5400" b="1" dirty="0" smtClean="0"/>
+              <a:rPr lang="en-GB" sz="5400" b="1" dirty="0"/>
             </a:br>
             <a:r>
-              <a:rPr lang="en-GB" sz="5400" b="1" dirty="0" smtClean="0"/>
+              <a:rPr lang="en-GB" sz="5400" b="1" dirty="0"/>
               <a:t>   </a:t>
             </a:r>
             <a:r>
-              <a:rPr lang="en-GB" sz="5400" b="1" dirty="0" err="1" smtClean="0"/>
+              <a:rPr lang="en-GB" sz="5400" b="1" dirty="0" err="1"/>
               <a:t>Ny</a:t>
             </a:r>
             <a:r>
-              <a:rPr lang="en-GB" sz="5400" b="1" dirty="0" smtClean="0"/>
+              <a:rPr lang="en-GB" sz="5400" b="1" dirty="0"/>
               <a:t> </a:t>
             </a:r>
             <a:r>
-              <a:rPr lang="en-GB" sz="5400" b="1" dirty="0" err="1" smtClean="0"/>
+              <a:rPr lang="en-GB" sz="5400" b="1" dirty="0" err="1"/>
               <a:t>harena</a:t>
             </a:r>
             <a:r>
-              <a:rPr lang="en-GB" sz="5400" b="1" dirty="0" smtClean="0"/>
+              <a:rPr lang="en-GB" sz="5400" b="1" dirty="0"/>
               <a:t>, </a:t>
             </a:r>
             <a:r>
-              <a:rPr lang="en-GB" sz="5400" b="1" dirty="0" err="1" smtClean="0"/>
+              <a:rPr lang="en-GB" sz="5400" b="1" dirty="0" err="1"/>
               <a:t>vola</a:t>
             </a:r>
             <a:r>
-              <a:rPr lang="en-GB" sz="5400" b="1" dirty="0" smtClean="0"/>
+              <a:rPr lang="en-GB" sz="5400" b="1" dirty="0"/>
               <a:t> </a:t>
             </a:r>
             <a:r>
-              <a:rPr lang="en-GB" sz="5400" b="1" dirty="0" err="1" smtClean="0"/>
+              <a:rPr lang="en-GB" sz="5400" b="1" dirty="0" err="1"/>
               <a:t>koa</a:t>
             </a:r>
             <a:r>
-              <a:rPr lang="en-GB" sz="5400" b="1" dirty="0" smtClean="0"/>
+              <a:rPr lang="en-GB" sz="5400" b="1" dirty="0"/>
               <a:t>,</a:t>
             </a:r>
             <a:br>
-              <a:rPr lang="en-GB" sz="5400" b="1" dirty="0" smtClean="0"/>
+              <a:rPr lang="en-GB" sz="5400" b="1" dirty="0"/>
             </a:br>
             <a:r>
-              <a:rPr lang="en-GB" sz="5400" b="1" dirty="0" smtClean="0"/>
+              <a:rPr lang="en-GB" sz="5400" b="1" dirty="0"/>
               <a:t>    </a:t>
             </a:r>
             <a:r>
-              <a:rPr lang="en-GB" sz="5400" b="1" dirty="0" err="1" smtClean="0"/>
+              <a:rPr lang="en-GB" sz="5400" b="1" dirty="0" err="1"/>
               <a:t>Taminao</a:t>
             </a:r>
             <a:r>
-              <a:rPr lang="en-GB" sz="5400" b="1" dirty="0" smtClean="0"/>
+              <a:rPr lang="en-GB" sz="5400" b="1" dirty="0"/>
               <a:t>, Jehovah Ray,</a:t>
             </a:r>
-            <a:endParaRPr lang="en-GB" sz="5400" b="1" dirty="0"/>
           </a:p>
         </p:txBody>
       </p:sp>
@@ -3586,29 +3555,16 @@
           <a:p>
             <a:pPr algn="ctr"/>
             <a:r>
-              <a:rPr lang="it-IT" sz="4800" b="1" dirty="0" smtClean="0">
-                <a:solidFill>
-                  <a:srgbClr val="00B050"/>
-                </a:solidFill>
-              </a:rPr>
+              <a:rPr lang="it-IT" sz="4800" b="1" dirty="0"/>
               <a:t>:,: Raiso re, ho Anao,</a:t>
             </a:r>
           </a:p>
           <a:p>
             <a:pPr algn="ctr"/>
             <a:r>
-              <a:rPr lang="it-IT" sz="4800" b="1" dirty="0" smtClean="0">
-                <a:solidFill>
-                  <a:srgbClr val="00B050"/>
-                </a:solidFill>
-              </a:rPr>
+              <a:rPr lang="it-IT" sz="4800" b="1" dirty="0"/>
               <a:t>     Ho fanati-tsitrakao ! :,:</a:t>
             </a:r>
-            <a:endParaRPr lang="it-IT" sz="4800" b="1" dirty="0">
-              <a:solidFill>
-                <a:srgbClr val="00B050"/>
-              </a:solidFill>
-            </a:endParaRPr>
           </a:p>
         </p:txBody>
       </p:sp>
@@ -3660,124 +3616,120 @@
           <a:lstStyle/>
           <a:p>
             <a:r>
-              <a:rPr lang="en-GB" sz="5400" b="1" dirty="0" smtClean="0"/>
+              <a:rPr lang="en-GB" sz="5400" b="1" dirty="0"/>
               <a:t>3- Na </a:t>
             </a:r>
             <a:r>
-              <a:rPr lang="en-GB" sz="5400" b="1" dirty="0" err="1" smtClean="0"/>
+              <a:rPr lang="en-GB" sz="5400" b="1" dirty="0" err="1"/>
               <a:t>dia</a:t>
             </a:r>
             <a:r>
-              <a:rPr lang="en-GB" sz="5400" b="1" dirty="0" smtClean="0"/>
+              <a:rPr lang="en-GB" sz="5400" b="1" dirty="0"/>
               <a:t> </a:t>
             </a:r>
             <a:r>
-              <a:rPr lang="en-GB" sz="5400" b="1" dirty="0" err="1" smtClean="0"/>
+              <a:rPr lang="en-GB" sz="5400" b="1" dirty="0" err="1"/>
               <a:t>kely</a:t>
             </a:r>
             <a:r>
-              <a:rPr lang="en-GB" sz="5400" b="1" dirty="0" smtClean="0"/>
+              <a:rPr lang="en-GB" sz="5400" b="1" dirty="0"/>
               <a:t> </a:t>
             </a:r>
             <a:r>
-              <a:rPr lang="en-GB" sz="5400" b="1" dirty="0" err="1" smtClean="0"/>
+              <a:rPr lang="en-GB" sz="5400" b="1" dirty="0" err="1"/>
               <a:t>aza</a:t>
             </a:r>
             <a:r>
-              <a:rPr lang="en-GB" sz="5400" b="1" dirty="0" smtClean="0"/>
+              <a:rPr lang="en-GB" sz="5400" b="1" dirty="0"/>
               <a:t>, </a:t>
             </a:r>
             <a:r>
-              <a:rPr lang="en-GB" sz="5400" b="1" dirty="0" err="1" smtClean="0"/>
+              <a:rPr lang="en-GB" sz="5400" b="1" dirty="0" err="1"/>
               <a:t>Tompo</a:t>
             </a:r>
             <a:r>
-              <a:rPr lang="en-GB" sz="5400" b="1" dirty="0" smtClean="0"/>
+              <a:rPr lang="en-GB" sz="5400" b="1" dirty="0"/>
               <a:t>,</a:t>
             </a:r>
             <a:br>
-              <a:rPr lang="en-GB" sz="5400" b="1" dirty="0" smtClean="0"/>
+              <a:rPr lang="en-GB" sz="5400" b="1" dirty="0"/>
             </a:br>
             <a:r>
-              <a:rPr lang="en-GB" sz="5400" b="1" dirty="0" smtClean="0"/>
+              <a:rPr lang="en-GB" sz="5400" b="1" dirty="0"/>
               <a:t>    Ka tsy </a:t>
             </a:r>
             <a:r>
-              <a:rPr lang="en-GB" sz="5400" b="1" dirty="0" err="1" smtClean="0"/>
+              <a:rPr lang="en-GB" sz="5400" b="1" dirty="0" err="1"/>
               <a:t>mendrika</a:t>
             </a:r>
             <a:r>
-              <a:rPr lang="en-GB" sz="5400" b="1" dirty="0" smtClean="0"/>
+              <a:rPr lang="en-GB" sz="5400" b="1" dirty="0"/>
               <a:t> </a:t>
             </a:r>
             <a:r>
-              <a:rPr lang="en-GB" sz="5400" b="1" dirty="0" err="1" smtClean="0"/>
+              <a:rPr lang="en-GB" sz="5400" b="1" dirty="0" err="1"/>
               <a:t>Anao</a:t>
             </a:r>
             <a:r>
-              <a:rPr lang="en-GB" sz="5400" b="1" dirty="0" smtClean="0"/>
+              <a:rPr lang="en-GB" sz="5400" b="1" dirty="0"/>
               <a:t>,</a:t>
             </a:r>
             <a:br>
-              <a:rPr lang="en-GB" sz="5400" b="1" dirty="0" smtClean="0"/>
+              <a:rPr lang="en-GB" sz="5400" b="1" dirty="0"/>
             </a:br>
             <a:r>
-              <a:rPr lang="en-GB" sz="5400" b="1" dirty="0" smtClean="0"/>
+              <a:rPr lang="en-GB" sz="5400" b="1" dirty="0"/>
               <a:t>   </a:t>
             </a:r>
             <a:r>
-              <a:rPr lang="en-GB" sz="5400" b="1" dirty="0" err="1" smtClean="0"/>
+              <a:rPr lang="en-GB" sz="5400" b="1" dirty="0" err="1"/>
               <a:t>Raiso</a:t>
             </a:r>
             <a:r>
-              <a:rPr lang="en-GB" sz="5400" b="1" dirty="0" smtClean="0"/>
+              <a:rPr lang="en-GB" sz="5400" b="1" dirty="0"/>
               <a:t> ho </a:t>
             </a:r>
             <a:r>
-              <a:rPr lang="en-GB" sz="5400" b="1" dirty="0" err="1" smtClean="0"/>
+              <a:rPr lang="en-GB" sz="5400" b="1" dirty="0" err="1"/>
               <a:t>entina</a:t>
             </a:r>
             <a:r>
-              <a:rPr lang="en-GB" sz="5400" b="1" dirty="0" smtClean="0"/>
+              <a:rPr lang="en-GB" sz="5400" b="1" dirty="0"/>
               <a:t> </a:t>
             </a:r>
             <a:r>
-              <a:rPr lang="en-GB" sz="5400" b="1" dirty="0" err="1" smtClean="0"/>
+              <a:rPr lang="en-GB" sz="5400" b="1" dirty="0" err="1"/>
               <a:t>hanompo</a:t>
             </a:r>
-            <a:r>
-              <a:rPr lang="en-GB" sz="5400" b="1" dirty="0" smtClean="0"/>
-              <a:t/>
-            </a:r>
             <a:br>
-              <a:rPr lang="en-GB" sz="5400" b="1" dirty="0" smtClean="0"/>
+              <a:rPr lang="en-GB" sz="5400" b="1" dirty="0"/>
             </a:br>
             <a:r>
-              <a:rPr lang="en-GB" sz="5400" b="1" dirty="0" smtClean="0"/>
+              <a:rPr lang="en-GB" sz="5400" b="1" dirty="0"/>
               <a:t>    </a:t>
             </a:r>
             <a:r>
-              <a:rPr lang="en-GB" sz="5400" b="1" dirty="0" err="1" smtClean="0"/>
+              <a:rPr lang="en-GB" sz="5400" b="1" dirty="0" err="1"/>
               <a:t>Sy</a:t>
             </a:r>
             <a:r>
-              <a:rPr lang="en-GB" sz="5400" b="1" dirty="0" smtClean="0"/>
+              <a:rPr lang="en-GB" sz="5400" b="1" dirty="0"/>
               <a:t> </a:t>
             </a:r>
             <a:r>
-              <a:rPr lang="en-GB" sz="5400" b="1" dirty="0" err="1" smtClean="0"/>
+              <a:rPr lang="en-GB" sz="5400" b="1" dirty="0" err="1"/>
               <a:t>hanao</a:t>
             </a:r>
             <a:r>
-              <a:rPr lang="en-GB" sz="5400" b="1" dirty="0" smtClean="0"/>
+              <a:rPr lang="en-GB" sz="5400" b="1" dirty="0"/>
               <a:t> </a:t>
             </a:r>
             <a:r>
-              <a:rPr lang="en-GB" sz="5400" b="1" dirty="0" err="1" smtClean="0"/>
+              <a:rPr lang="en-GB" sz="5400" b="1" dirty="0" err="1"/>
               <a:t>ny</a:t>
             </a:r>
             <a:r>
-              <a:rPr lang="en-GB" sz="5400" b="1" dirty="0" smtClean="0"/>
+              <a:rPr lang="en-GB" sz="5400" b="1" dirty="0"/>
               <a:t> </a:t>
             </a:r>
             <a:r>
@@ -3785,10 +3737,9 @@
               <a:t>sitrakao</a:t>
             </a:r>
             <a:r>
-              <a:rPr lang="en-GB" sz="5400" b="1" dirty="0" smtClean="0"/>
+              <a:rPr lang="en-GB" sz="5400" b="1" dirty="0"/>
               <a:t>.</a:t>
             </a:r>
-            <a:endParaRPr lang="en-GB" sz="5400" b="1" dirty="0"/>
           </a:p>
         </p:txBody>
       </p:sp>
@@ -3817,29 +3768,16 @@
           <a:p>
             <a:pPr algn="ctr"/>
             <a:r>
-              <a:rPr lang="it-IT" sz="4800" b="1" dirty="0" smtClean="0">
-                <a:solidFill>
-                  <a:srgbClr val="00B050"/>
-                </a:solidFill>
-              </a:rPr>
+              <a:rPr lang="it-IT" sz="4800" b="1" dirty="0"/>
               <a:t>:,: Raiso re, ho Anao,</a:t>
             </a:r>
           </a:p>
           <a:p>
             <a:pPr algn="ctr"/>
             <a:r>
-              <a:rPr lang="it-IT" sz="4800" b="1" dirty="0" smtClean="0">
-                <a:solidFill>
-                  <a:srgbClr val="00B050"/>
-                </a:solidFill>
-              </a:rPr>
+              <a:rPr lang="it-IT" sz="4800" b="1" dirty="0"/>
               <a:t>     Ho fanati-tsitrakao ! :,:</a:t>
             </a:r>
-            <a:endParaRPr lang="it-IT" sz="4800" b="1" dirty="0">
-              <a:solidFill>
-                <a:srgbClr val="00B050"/>
-              </a:solidFill>
-            </a:endParaRPr>
           </a:p>
         </p:txBody>
       </p:sp>
@@ -3891,135 +3829,126 @@
           <a:lstStyle/>
           <a:p>
             <a:r>
-              <a:rPr lang="en-GB" sz="5400" b="1" dirty="0" smtClean="0"/>
+              <a:rPr lang="en-GB" sz="5400" b="1" dirty="0"/>
               <a:t>4- </a:t>
             </a:r>
             <a:r>
-              <a:rPr lang="en-GB" sz="5400" b="1" dirty="0" err="1" smtClean="0"/>
+              <a:rPr lang="en-GB" sz="5400" b="1" dirty="0" err="1"/>
               <a:t>Indro</a:t>
             </a:r>
             <a:r>
-              <a:rPr lang="en-GB" sz="5400" b="1" dirty="0" smtClean="0"/>
+              <a:rPr lang="en-GB" sz="5400" b="1" dirty="0"/>
               <a:t>, </a:t>
             </a:r>
             <a:r>
-              <a:rPr lang="en-GB" sz="5400" b="1" dirty="0" err="1" smtClean="0"/>
+              <a:rPr lang="en-GB" sz="5400" b="1" dirty="0" err="1"/>
               <a:t>Tompo</a:t>
             </a:r>
             <a:r>
-              <a:rPr lang="en-GB" sz="5400" b="1" dirty="0" smtClean="0"/>
+              <a:rPr lang="en-GB" sz="5400" b="1" dirty="0"/>
               <a:t>, </a:t>
             </a:r>
             <a:r>
-              <a:rPr lang="en-GB" sz="5400" b="1" dirty="0" err="1" smtClean="0"/>
+              <a:rPr lang="en-GB" sz="5400" b="1" dirty="0" err="1"/>
               <a:t>raiso</a:t>
             </a:r>
             <a:r>
-              <a:rPr lang="en-GB" sz="5400" b="1" dirty="0" smtClean="0"/>
+              <a:rPr lang="en-GB" sz="5400" b="1" dirty="0"/>
               <a:t> </a:t>
             </a:r>
             <a:r>
-              <a:rPr lang="en-GB" sz="5400" b="1" dirty="0" err="1" smtClean="0"/>
+              <a:rPr lang="en-GB" sz="5400" b="1" dirty="0" err="1"/>
               <a:t>koa</a:t>
             </a:r>
-            <a:r>
-              <a:rPr lang="en-GB" sz="5400" b="1" dirty="0" smtClean="0"/>
-              <a:t/>
-            </a:r>
             <a:br>
-              <a:rPr lang="en-GB" sz="5400" b="1" dirty="0" smtClean="0"/>
+              <a:rPr lang="en-GB" sz="5400" b="1" dirty="0"/>
             </a:br>
             <a:r>
-              <a:rPr lang="en-GB" sz="5400" b="1" dirty="0" smtClean="0"/>
+              <a:rPr lang="en-GB" sz="5400" b="1" dirty="0"/>
               <a:t>    </a:t>
             </a:r>
             <a:r>
-              <a:rPr lang="en-GB" sz="5400" b="1" dirty="0" err="1" smtClean="0"/>
+              <a:rPr lang="en-GB" sz="5400" b="1" dirty="0" err="1"/>
               <a:t>Tena</a:t>
             </a:r>
             <a:r>
-              <a:rPr lang="en-GB" sz="5400" b="1" dirty="0" smtClean="0"/>
+              <a:rPr lang="en-GB" sz="5400" b="1" dirty="0"/>
               <a:t>, </a:t>
             </a:r>
             <a:r>
-              <a:rPr lang="en-GB" sz="5400" b="1" dirty="0" err="1" smtClean="0"/>
+              <a:rPr lang="en-GB" sz="5400" b="1" dirty="0" err="1"/>
               <a:t>fo</a:t>
             </a:r>
             <a:r>
-              <a:rPr lang="en-GB" sz="5400" b="1" dirty="0" smtClean="0"/>
+              <a:rPr lang="en-GB" sz="5400" b="1" dirty="0"/>
               <a:t>, </a:t>
             </a:r>
             <a:r>
-              <a:rPr lang="en-GB" sz="5400" b="1" dirty="0" err="1" smtClean="0"/>
+              <a:rPr lang="en-GB" sz="5400" b="1" dirty="0" err="1"/>
               <a:t>fanahinay</a:t>
             </a:r>
             <a:r>
-              <a:rPr lang="en-GB" sz="5400" b="1" dirty="0" smtClean="0"/>
+              <a:rPr lang="en-GB" sz="5400" b="1" dirty="0"/>
               <a:t>,</a:t>
             </a:r>
             <a:br>
-              <a:rPr lang="en-GB" sz="5400" b="1" dirty="0" smtClean="0"/>
+              <a:rPr lang="en-GB" sz="5400" b="1" dirty="0"/>
             </a:br>
             <a:r>
-              <a:rPr lang="en-GB" sz="5400" b="1" dirty="0" smtClean="0"/>
+              <a:rPr lang="en-GB" sz="5400" b="1" dirty="0"/>
               <a:t>   </a:t>
             </a:r>
             <a:r>
-              <a:rPr lang="en-GB" sz="5400" b="1" dirty="0" err="1" smtClean="0"/>
+              <a:rPr lang="en-GB" sz="5400" b="1" dirty="0" err="1"/>
               <a:t>Mba</a:t>
             </a:r>
             <a:r>
-              <a:rPr lang="en-GB" sz="5400" b="1" dirty="0" smtClean="0"/>
+              <a:rPr lang="en-GB" sz="5400" b="1" dirty="0"/>
               <a:t> ho </a:t>
             </a:r>
             <a:r>
-              <a:rPr lang="en-GB" sz="5400" b="1" dirty="0" err="1" smtClean="0"/>
+              <a:rPr lang="en-GB" sz="5400" b="1" dirty="0" err="1"/>
               <a:t>fiasana</a:t>
             </a:r>
             <a:r>
-              <a:rPr lang="en-GB" sz="5400" b="1" dirty="0" smtClean="0"/>
+              <a:rPr lang="en-GB" sz="5400" b="1" dirty="0"/>
               <a:t> </a:t>
             </a:r>
             <a:r>
-              <a:rPr lang="en-GB" sz="5400" b="1" dirty="0" err="1" smtClean="0"/>
+              <a:rPr lang="en-GB" sz="5400" b="1" dirty="0" err="1"/>
               <a:t>koa</a:t>
             </a:r>
-            <a:r>
-              <a:rPr lang="en-GB" sz="5400" b="1" dirty="0" smtClean="0"/>
-              <a:t/>
-            </a:r>
             <a:br>
-              <a:rPr lang="en-GB" sz="5400" b="1" dirty="0" smtClean="0"/>
+              <a:rPr lang="en-GB" sz="5400" b="1" dirty="0"/>
             </a:br>
             <a:r>
-              <a:rPr lang="en-GB" sz="5400" b="1" dirty="0" smtClean="0"/>
+              <a:rPr lang="en-GB" sz="5400" b="1" dirty="0"/>
               <a:t>    </a:t>
             </a:r>
             <a:r>
-              <a:rPr lang="en-GB" sz="5400" b="1" dirty="0" err="1" smtClean="0"/>
+              <a:rPr lang="en-GB" sz="5400" b="1" dirty="0" err="1"/>
               <a:t>Eo</a:t>
             </a:r>
             <a:r>
-              <a:rPr lang="en-GB" sz="5400" b="1" dirty="0" smtClean="0"/>
+              <a:rPr lang="en-GB" sz="5400" b="1" dirty="0"/>
               <a:t> an-</a:t>
             </a:r>
             <a:r>
-              <a:rPr lang="en-GB" sz="5400" b="1" dirty="0" err="1" smtClean="0"/>
+              <a:rPr lang="en-GB" sz="5400" b="1" dirty="0" err="1"/>
               <a:t>tananao</a:t>
             </a:r>
             <a:r>
-              <a:rPr lang="en-GB" sz="5400" b="1" dirty="0" smtClean="0"/>
+              <a:rPr lang="en-GB" sz="5400" b="1" dirty="0"/>
               <a:t> </a:t>
             </a:r>
             <a:r>
-              <a:rPr lang="en-GB" sz="5400" b="1" dirty="0" err="1" smtClean="0"/>
+              <a:rPr lang="en-GB" sz="5400" b="1" dirty="0" err="1"/>
               <a:t>izahay</a:t>
             </a:r>
             <a:r>
-              <a:rPr lang="en-GB" sz="5400" b="1" dirty="0" smtClean="0"/>
+              <a:rPr lang="en-GB" sz="5400" b="1" dirty="0"/>
               <a:t>.</a:t>
             </a:r>
-            <a:endParaRPr lang="en-GB" sz="5400" b="1" dirty="0"/>
           </a:p>
         </p:txBody>
       </p:sp>
@@ -4048,29 +3977,16 @@
           <a:p>
             <a:pPr algn="ctr"/>
             <a:r>
-              <a:rPr lang="it-IT" sz="4800" b="1" dirty="0" smtClean="0">
-                <a:solidFill>
-                  <a:srgbClr val="00B050"/>
-                </a:solidFill>
-              </a:rPr>
+              <a:rPr lang="it-IT" sz="4800" b="1" dirty="0"/>
               <a:t>:,: Raiso re, ho Anao,</a:t>
             </a:r>
           </a:p>
           <a:p>
             <a:pPr algn="ctr"/>
             <a:r>
-              <a:rPr lang="it-IT" sz="4800" b="1" dirty="0" smtClean="0">
-                <a:solidFill>
-                  <a:srgbClr val="00B050"/>
-                </a:solidFill>
-              </a:rPr>
+              <a:rPr lang="it-IT" sz="4800" b="1" dirty="0"/>
               <a:t>     Ho fanati-tsitrakao ! :,:</a:t>
             </a:r>
-            <a:endParaRPr lang="it-IT" sz="4800" b="1" dirty="0">
-              <a:solidFill>
-                <a:srgbClr val="00B050"/>
-              </a:solidFill>
-            </a:endParaRPr>
           </a:p>
         </p:txBody>
       </p:sp>
